--- a/Seccion 4 Inferencia/Diapositivas/4.8 Contraste de igualdad de varias medias - Análisis de varianza multivariante.pptx
+++ b/Seccion 4 Inferencia/Diapositivas/4.8 Contraste de igualdad de varias medias - Análisis de varianza multivariante.pptx
@@ -213,7 +213,7 @@
           <a:p>
             <a:fld id="{FDD9119D-E0DF-44A0-868D-99C21E45606E}" type="datetimeFigureOut">
               <a:rPr lang="es-ES" smtClean="0"/>
-              <a:t>15/01/2020</a:t>
+              <a:t>04/04/2020</a:t>
             </a:fld>
             <a:endParaRPr lang="es-ES"/>
           </a:p>
@@ -628,7 +628,7 @@
             <a:fld id="{B61BEF0D-F0BB-DE4B-95CE-6DB70DBA9567}" type="datetimeFigureOut">
               <a:rPr lang="en-US" smtClean="0"/>
               <a:pPr/>
-              <a:t>1/15/2020</a:t>
+              <a:t>4/4/2020</a:t>
             </a:fld>
             <a:endParaRPr lang="en-US" dirty="0"/>
           </a:p>
@@ -827,7 +827,7 @@
           <a:p>
             <a:fld id="{55C6B4A9-1611-4792-9094-5F34BCA07E0B}" type="datetimeFigureOut">
               <a:rPr lang="en-US" smtClean="0"/>
-              <a:t>1/15/2020</a:t>
+              <a:t>4/4/2020</a:t>
             </a:fld>
             <a:endParaRPr lang="en-US" dirty="0"/>
           </a:p>
@@ -1036,7 +1036,7 @@
             <a:fld id="{B61BEF0D-F0BB-DE4B-95CE-6DB70DBA9567}" type="datetimeFigureOut">
               <a:rPr lang="en-US" smtClean="0"/>
               <a:pPr/>
-              <a:t>1/15/2020</a:t>
+              <a:t>4/4/2020</a:t>
             </a:fld>
             <a:endParaRPr lang="en-US" dirty="0"/>
           </a:p>
@@ -1856,7 +1856,7 @@
             <a:fld id="{B61BEF0D-F0BB-DE4B-95CE-6DB70DBA9567}" type="datetimeFigureOut">
               <a:rPr lang="en-US" smtClean="0"/>
               <a:pPr/>
-              <a:t>1/15/2020</a:t>
+              <a:t>4/4/2020</a:t>
             </a:fld>
             <a:endParaRPr lang="en-US" dirty="0"/>
           </a:p>
@@ -2028,7 +2028,7 @@
             <a:fld id="{B61BEF0D-F0BB-DE4B-95CE-6DB70DBA9567}" type="datetimeFigureOut">
               <a:rPr lang="en-US" smtClean="0"/>
               <a:pPr/>
-              <a:t>1/15/2020</a:t>
+              <a:t>4/4/2020</a:t>
             </a:fld>
             <a:endParaRPr lang="en-US" dirty="0"/>
           </a:p>
@@ -2277,7 +2277,7 @@
             <a:fld id="{B61BEF0D-F0BB-DE4B-95CE-6DB70DBA9567}" type="datetimeFigureOut">
               <a:rPr lang="en-US" smtClean="0"/>
               <a:pPr/>
-              <a:t>1/15/2020</a:t>
+              <a:t>4/4/2020</a:t>
             </a:fld>
             <a:endParaRPr lang="en-US" dirty="0"/>
           </a:p>
@@ -2510,7 +2510,7 @@
           <a:p>
             <a:fld id="{EB712588-04B1-427B-82EE-E8DB90309F08}" type="datetimeFigureOut">
               <a:rPr lang="en-US" smtClean="0"/>
-              <a:t>1/15/2020</a:t>
+              <a:t>4/4/2020</a:t>
             </a:fld>
             <a:endParaRPr lang="en-US" dirty="0"/>
           </a:p>
@@ -2885,7 +2885,7 @@
             <a:fld id="{B61BEF0D-F0BB-DE4B-95CE-6DB70DBA9567}" type="datetimeFigureOut">
               <a:rPr lang="en-US" smtClean="0"/>
               <a:pPr/>
-              <a:t>1/15/2020</a:t>
+              <a:t>4/4/2020</a:t>
             </a:fld>
             <a:endParaRPr lang="en-US" dirty="0"/>
           </a:p>
@@ -3010,7 +3010,7 @@
             <a:fld id="{B61BEF0D-F0BB-DE4B-95CE-6DB70DBA9567}" type="datetimeFigureOut">
               <a:rPr lang="en-US" smtClean="0"/>
               <a:pPr/>
-              <a:t>1/15/2020</a:t>
+              <a:t>4/4/2020</a:t>
             </a:fld>
             <a:endParaRPr lang="en-US" dirty="0"/>
           </a:p>
@@ -3107,7 +3107,7 @@
             <a:fld id="{B61BEF0D-F0BB-DE4B-95CE-6DB70DBA9567}" type="datetimeFigureOut">
               <a:rPr lang="en-US" smtClean="0"/>
               <a:pPr/>
-              <a:t>1/15/2020</a:t>
+              <a:t>4/4/2020</a:t>
             </a:fld>
             <a:endParaRPr lang="en-US" dirty="0"/>
           </a:p>
@@ -3363,7 +3363,7 @@
           <a:p>
             <a:fld id="{42A54C80-263E-416B-A8E0-580EDEADCBDC}" type="datetimeFigureOut">
               <a:rPr lang="en-US" smtClean="0"/>
-              <a:t>1/15/2020</a:t>
+              <a:t>4/4/2020</a:t>
             </a:fld>
             <a:endParaRPr lang="en-US" dirty="0"/>
           </a:p>
@@ -3550,7 +3550,7 @@
             <a:fld id="{B61BEF0D-F0BB-DE4B-95CE-6DB70DBA9567}" type="datetimeFigureOut">
               <a:rPr lang="en-US" smtClean="0"/>
               <a:pPr/>
-              <a:t>1/15/2020</a:t>
+              <a:t>4/4/2020</a:t>
             </a:fld>
             <a:endParaRPr lang="en-US" dirty="0"/>
           </a:p>
@@ -3870,7 +3870,7 @@
             <a:fld id="{B61BEF0D-F0BB-DE4B-95CE-6DB70DBA9567}" type="datetimeFigureOut">
               <a:rPr lang="en-US" smtClean="0"/>
               <a:pPr/>
-              <a:t>1/15/2020</a:t>
+              <a:t>4/4/2020</a:t>
             </a:fld>
             <a:endParaRPr lang="en-US" dirty="0"/>
           </a:p>
@@ -4080,7 +4080,7 @@
             <a:fld id="{B61BEF0D-F0BB-DE4B-95CE-6DB70DBA9567}" type="datetimeFigureOut">
               <a:rPr lang="en-US" smtClean="0"/>
               <a:pPr/>
-              <a:t>1/15/2020</a:t>
+              <a:t>4/4/2020</a:t>
             </a:fld>
             <a:endParaRPr lang="en-US" dirty="0"/>
           </a:p>
@@ -4396,7 +4396,7 @@
             <a:fld id="{B61BEF0D-F0BB-DE4B-95CE-6DB70DBA9567}" type="datetimeFigureOut">
               <a:rPr lang="en-US" smtClean="0"/>
               <a:pPr/>
-              <a:t>1/15/2020</a:t>
+              <a:t>4/4/2020</a:t>
             </a:fld>
             <a:endParaRPr lang="en-US" dirty="0"/>
           </a:p>
@@ -4731,7 +4731,7 @@
             <a:fld id="{B61BEF0D-F0BB-DE4B-95CE-6DB70DBA9567}" type="datetimeFigureOut">
               <a:rPr lang="en-US" smtClean="0"/>
               <a:pPr/>
-              <a:t>1/15/2020</a:t>
+              <a:t>4/4/2020</a:t>
             </a:fld>
             <a:endParaRPr lang="en-US" dirty="0"/>
           </a:p>
@@ -5047,7 +5047,7 @@
             <a:fld id="{B61BEF0D-F0BB-DE4B-95CE-6DB70DBA9567}" type="datetimeFigureOut">
               <a:rPr lang="en-US" smtClean="0"/>
               <a:pPr/>
-              <a:t>1/15/2020</a:t>
+              <a:t>4/4/2020</a:t>
             </a:fld>
             <a:endParaRPr lang="en-US" dirty="0"/>
           </a:p>
@@ -5442,7 +5442,7 @@
             <a:fld id="{B61BEF0D-F0BB-DE4B-95CE-6DB70DBA9567}" type="datetimeFigureOut">
               <a:rPr lang="en-US" smtClean="0"/>
               <a:pPr/>
-              <a:t>1/15/2020</a:t>
+              <a:t>4/4/2020</a:t>
             </a:fld>
             <a:endParaRPr lang="en-US" dirty="0"/>
           </a:p>
@@ -5613,7 +5613,7 @@
           <a:p>
             <a:fld id="{55C6B4A9-1611-4792-9094-5F34BCA07E0B}" type="datetimeFigureOut">
               <a:rPr lang="en-US" smtClean="0"/>
-              <a:t>1/15/2020</a:t>
+              <a:t>4/4/2020</a:t>
             </a:fld>
             <a:endParaRPr lang="en-US" dirty="0"/>
           </a:p>
@@ -5794,7 +5794,7 @@
             <a:fld id="{B61BEF0D-F0BB-DE4B-95CE-6DB70DBA9567}" type="datetimeFigureOut">
               <a:rPr lang="en-US" smtClean="0"/>
               <a:pPr/>
-              <a:t>1/15/2020</a:t>
+              <a:t>4/4/2020</a:t>
             </a:fld>
             <a:endParaRPr lang="en-US" dirty="0"/>
           </a:p>
@@ -6059,7 +6059,7 @@
             <a:fld id="{B61BEF0D-F0BB-DE4B-95CE-6DB70DBA9567}" type="datetimeFigureOut">
               <a:rPr lang="en-US" smtClean="0"/>
               <a:pPr/>
-              <a:t>1/15/2020</a:t>
+              <a:t>4/4/2020</a:t>
             </a:fld>
             <a:endParaRPr lang="en-US" dirty="0"/>
           </a:p>
@@ -6325,7 +6325,7 @@
           <a:p>
             <a:fld id="{EB712588-04B1-427B-82EE-E8DB90309F08}" type="datetimeFigureOut">
               <a:rPr lang="en-US" smtClean="0"/>
-              <a:t>1/15/2020</a:t>
+              <a:t>4/4/2020</a:t>
             </a:fld>
             <a:endParaRPr lang="en-US" dirty="0"/>
           </a:p>
@@ -6738,7 +6738,7 @@
             <a:fld id="{B61BEF0D-F0BB-DE4B-95CE-6DB70DBA9567}" type="datetimeFigureOut">
               <a:rPr lang="en-US" smtClean="0"/>
               <a:pPr/>
-              <a:t>1/15/2020</a:t>
+              <a:t>4/4/2020</a:t>
             </a:fld>
             <a:endParaRPr lang="en-US" dirty="0"/>
           </a:p>
@@ -6881,7 +6881,7 @@
             <a:fld id="{B61BEF0D-F0BB-DE4B-95CE-6DB70DBA9567}" type="datetimeFigureOut">
               <a:rPr lang="en-US" smtClean="0"/>
               <a:pPr/>
-              <a:t>1/15/2020</a:t>
+              <a:t>4/4/2020</a:t>
             </a:fld>
             <a:endParaRPr lang="en-US" dirty="0"/>
           </a:p>
@@ -6996,7 +6996,7 @@
             <a:fld id="{B61BEF0D-F0BB-DE4B-95CE-6DB70DBA9567}" type="datetimeFigureOut">
               <a:rPr lang="en-US" smtClean="0"/>
               <a:pPr/>
-              <a:t>1/15/2020</a:t>
+              <a:t>4/4/2020</a:t>
             </a:fld>
             <a:endParaRPr lang="en-US" dirty="0"/>
           </a:p>
@@ -7308,7 +7308,7 @@
           <a:p>
             <a:fld id="{42A54C80-263E-416B-A8E0-580EDEADCBDC}" type="datetimeFigureOut">
               <a:rPr lang="en-US" smtClean="0"/>
-              <a:t>1/15/2020</a:t>
+              <a:t>4/4/2020</a:t>
             </a:fld>
             <a:endParaRPr lang="en-US" dirty="0"/>
           </a:p>
@@ -7597,7 +7597,7 @@
             <a:fld id="{B61BEF0D-F0BB-DE4B-95CE-6DB70DBA9567}" type="datetimeFigureOut">
               <a:rPr lang="en-US" smtClean="0"/>
               <a:pPr/>
-              <a:t>1/15/2020</a:t>
+              <a:t>4/4/2020</a:t>
             </a:fld>
             <a:endParaRPr lang="en-US" dirty="0"/>
           </a:p>
@@ -7843,7 +7843,7 @@
             <a:fld id="{B61BEF0D-F0BB-DE4B-95CE-6DB70DBA9567}" type="datetimeFigureOut">
               <a:rPr lang="en-US" smtClean="0"/>
               <a:pPr/>
-              <a:t>1/15/2020</a:t>
+              <a:t>4/4/2020</a:t>
             </a:fld>
             <a:endParaRPr lang="en-US" dirty="0"/>
           </a:p>
@@ -8931,7 +8931,7 @@
             <a:fld id="{B61BEF0D-F0BB-DE4B-95CE-6DB70DBA9567}" type="datetimeFigureOut">
               <a:rPr lang="en-US" smtClean="0"/>
               <a:pPr/>
-              <a:t>1/15/2020</a:t>
+              <a:t>4/4/2020</a:t>
             </a:fld>
             <a:endParaRPr lang="en-US" dirty="0"/>
           </a:p>
@@ -9931,8 +9931,8 @@
           </a:p>
         </p:txBody>
       </p:sp>
-      <mc:AlternateContent xmlns:mc="http://schemas.openxmlformats.org/markup-compatibility/2006">
-        <mc:Choice xmlns:a14="http://schemas.microsoft.com/office/drawing/2010/main" Requires="a14">
+      <mc:AlternateContent xmlns:mc="http://schemas.openxmlformats.org/markup-compatibility/2006" xmlns:a14="http://schemas.microsoft.com/office/drawing/2010/main">
+        <mc:Choice Requires="a14">
           <p:sp>
             <p:nvSpPr>
               <p:cNvPr id="3" name="Marcador de contenido 2">
@@ -10876,7 +10876,7 @@
             </p:txBody>
           </p:sp>
         </mc:Choice>
-        <mc:Fallback>
+        <mc:Fallback xmlns="">
           <p:sp>
             <p:nvSpPr>
               <p:cNvPr id="3" name="Marcador de contenido 2">
@@ -10978,8 +10978,8 @@
           </a:p>
         </p:txBody>
       </p:sp>
-      <mc:AlternateContent xmlns:mc="http://schemas.openxmlformats.org/markup-compatibility/2006">
-        <mc:Choice xmlns:a14="http://schemas.microsoft.com/office/drawing/2010/main" Requires="a14">
+      <mc:AlternateContent xmlns:mc="http://schemas.openxmlformats.org/markup-compatibility/2006" xmlns:a14="http://schemas.microsoft.com/office/drawing/2010/main">
+        <mc:Choice Requires="a14">
           <p:sp>
             <p:nvSpPr>
               <p:cNvPr id="3" name="Marcador de contenido 2">
@@ -11819,7 +11819,7 @@
             </p:txBody>
           </p:sp>
         </mc:Choice>
-        <mc:Fallback>
+        <mc:Fallback xmlns="">
           <p:sp>
             <p:nvSpPr>
               <p:cNvPr id="3" name="Marcador de contenido 2">
@@ -11921,8 +11921,8 @@
           </a:p>
         </p:txBody>
       </p:sp>
-      <mc:AlternateContent xmlns:mc="http://schemas.openxmlformats.org/markup-compatibility/2006">
-        <mc:Choice xmlns:a14="http://schemas.microsoft.com/office/drawing/2010/main" Requires="a14">
+      <mc:AlternateContent xmlns:mc="http://schemas.openxmlformats.org/markup-compatibility/2006" xmlns:a14="http://schemas.microsoft.com/office/drawing/2010/main">
+        <mc:Choice Requires="a14">
           <p:sp>
             <p:nvSpPr>
               <p:cNvPr id="3" name="Marcador de contenido 2">
@@ -12013,7 +12013,7 @@
                       <m:d>
                         <m:dPr>
                           <m:ctrlPr>
-                            <a:rPr lang="es-ES" sz="2000" b="0" smtClean="0">
+                            <a:rPr lang="es-ES" sz="2000" b="0" i="1" smtClean="0">
                               <a:solidFill>
                                 <a:schemeClr val="bg1"/>
                               </a:solidFill>
@@ -12094,7 +12094,7 @@
                       <m:d>
                         <m:dPr>
                           <m:ctrlPr>
-                            <a:rPr lang="es-ES" sz="2000" b="0" smtClean="0">
+                            <a:rPr lang="es-ES" sz="2000" b="0" i="1" smtClean="0">
                               <a:solidFill>
                                 <a:schemeClr val="bg1"/>
                               </a:solidFill>
@@ -13225,7 +13225,7 @@
             </p:txBody>
           </p:sp>
         </mc:Choice>
-        <mc:Fallback>
+        <mc:Fallback xmlns="">
           <p:sp>
             <p:nvSpPr>
               <p:cNvPr id="3" name="Marcador de contenido 2">
@@ -13857,7 +13857,27 @@
                     <a:latin typeface="Calibri" panose="020F0502020204030204" pitchFamily="34" charset="0"/>
                     <a:cs typeface="Calibri" panose="020F0502020204030204" pitchFamily="34" charset="0"/>
                   </a:rPr>
-                  <a:t> temenos </a:t>
+                  <a:t> </a:t>
+                </a:r>
+                <a:r>
+                  <a:rPr lang="en-US" sz="2000" dirty="0" err="1">
+                    <a:solidFill>
+                      <a:schemeClr val="bg1"/>
+                    </a:solidFill>
+                    <a:latin typeface="Calibri" panose="020F0502020204030204" pitchFamily="34" charset="0"/>
+                    <a:cs typeface="Calibri" panose="020F0502020204030204" pitchFamily="34" charset="0"/>
+                  </a:rPr>
+                  <a:t>tenemos</a:t>
+                </a:r>
+                <a:r>
+                  <a:rPr lang="en-US" sz="2000" dirty="0">
+                    <a:solidFill>
+                      <a:schemeClr val="bg1"/>
+                    </a:solidFill>
+                    <a:latin typeface="Calibri" panose="020F0502020204030204" pitchFamily="34" charset="0"/>
+                    <a:cs typeface="Calibri" panose="020F0502020204030204" pitchFamily="34" charset="0"/>
+                  </a:rPr>
+                  <a:t> </a:t>
                 </a:r>
                 <a14:m>
                   <m:oMath xmlns:m="http://schemas.openxmlformats.org/officeDocument/2006/math">
@@ -14924,8 +14944,8 @@
           </a:p>
         </p:txBody>
       </p:sp>
-      <mc:AlternateContent xmlns:mc="http://schemas.openxmlformats.org/markup-compatibility/2006">
-        <mc:Choice xmlns:a14="http://schemas.microsoft.com/office/drawing/2010/main" Requires="a14">
+      <mc:AlternateContent xmlns:mc="http://schemas.openxmlformats.org/markup-compatibility/2006" xmlns:a14="http://schemas.microsoft.com/office/drawing/2010/main">
+        <mc:Choice Requires="a14">
           <p:sp>
             <p:nvSpPr>
               <p:cNvPr id="3" name="Marcador de contenido 2">
@@ -16094,7 +16114,7 @@
             </p:txBody>
           </p:sp>
         </mc:Choice>
-        <mc:Fallback>
+        <mc:Fallback xmlns="">
           <p:sp>
             <p:nvSpPr>
               <p:cNvPr id="3" name="Marcador de contenido 2">
@@ -16506,7 +16526,7 @@
                     <a:latin typeface="Calibri" panose="020F0502020204030204" pitchFamily="34" charset="0"/>
                     <a:cs typeface="Calibri" panose="020F0502020204030204" pitchFamily="34" charset="0"/>
                   </a:rPr>
-                  <a:t>del 0.999%.</a:t>
+                  <a:t>del 99.9%.</a:t>
                 </a:r>
               </a:p>
               <a:p>
@@ -16600,7 +16620,7 @@
                     <a:latin typeface="Calibri" panose="020F0502020204030204" pitchFamily="34" charset="0"/>
                     <a:cs typeface="Calibri" panose="020F0502020204030204" pitchFamily="34" charset="0"/>
                   </a:rPr>
-                  <a:t> un valor muy pequeño comparado con ambos valores de </a:t>
+                  <a:t> es un valor muy pequeño comparado con ambos valores de </a:t>
                 </a:r>
                 <a14:m>
                   <m:oMath xmlns:m="http://schemas.openxmlformats.org/officeDocument/2006/math">
@@ -16781,7 +16801,7 @@
               <a:blipFill>
                 <a:blip r:embed="rId2"/>
                 <a:stretch>
-                  <a:fillRect l="-284"/>
+                  <a:fillRect l="-284" r="-355"/>
                 </a:stretch>
               </a:blipFill>
             </p:spPr>
@@ -17002,7 +17022,7 @@
                         <m:begChr m:val="["/>
                         <m:endChr m:val="]"/>
                         <m:ctrlPr>
-                          <a:rPr lang="es-ES" sz="2000" b="0" i="0" smtClean="0">
+                          <a:rPr lang="es-ES" sz="2000" b="0" i="1" smtClean="0">
                             <a:solidFill>
                               <a:schemeClr val="bg1"/>
                             </a:solidFill>
@@ -17014,7 +17034,7 @@
                         <m:sSub>
                           <m:sSubPr>
                             <m:ctrlPr>
-                              <a:rPr lang="es-ES" sz="2000" b="0" i="0" smtClean="0">
+                              <a:rPr lang="es-ES" sz="2000" b="0" i="1" smtClean="0">
                                 <a:solidFill>
                                   <a:schemeClr val="bg1"/>
                                 </a:solidFill>
@@ -17057,7 +17077,7 @@
                         <m:sSub>
                           <m:sSubPr>
                             <m:ctrlPr>
-                              <a:rPr lang="es-ES" sz="2000" b="0" i="0" smtClean="0">
+                              <a:rPr lang="es-ES" sz="2000" b="0" i="1" smtClean="0">
                                 <a:solidFill>
                                   <a:schemeClr val="bg1"/>
                                 </a:solidFill>
@@ -17298,6 +17318,16 @@
                       </m:sub>
                     </m:sSub>
                     <m:r>
+                      <a:rPr lang="es-ES" sz="2000" b="0" i="1" smtClean="0">
+                        <a:solidFill>
+                          <a:schemeClr val="bg1"/>
+                        </a:solidFill>
+                        <a:latin typeface="Cambria Math" panose="02040503050406030204" pitchFamily="18" charset="0"/>
+                        <a:cs typeface="Calibri" panose="020F0502020204030204" pitchFamily="34" charset="0"/>
+                      </a:rPr>
+                      <m:t>+</m:t>
+                    </m:r>
+                    <m:r>
                       <a:rPr lang="es-ES" sz="2000" i="1">
                         <a:solidFill>
                           <a:schemeClr val="bg1"/>
@@ -17305,7 +17335,17 @@
                         <a:latin typeface="Cambria Math" panose="02040503050406030204" pitchFamily="18" charset="0"/>
                         <a:cs typeface="Calibri" panose="020F0502020204030204" pitchFamily="34" charset="0"/>
                       </a:rPr>
-                      <m:t>,…,</m:t>
+                      <m:t>…</m:t>
+                    </m:r>
+                    <m:r>
+                      <a:rPr lang="es-ES" sz="2000" b="0" i="1" smtClean="0">
+                        <a:solidFill>
+                          <a:schemeClr val="bg1"/>
+                        </a:solidFill>
+                        <a:latin typeface="Cambria Math" panose="02040503050406030204" pitchFamily="18" charset="0"/>
+                        <a:cs typeface="Calibri" panose="020F0502020204030204" pitchFamily="34" charset="0"/>
+                      </a:rPr>
+                      <m:t>+</m:t>
                     </m:r>
                     <m:sSub>
                       <m:sSubPr>
@@ -18188,7 +18228,7 @@
                       <m:accPr>
                         <m:chr m:val="̅"/>
                         <m:ctrlPr>
-                          <a:rPr lang="es-ES" sz="2000" b="1" smtClean="0">
+                          <a:rPr lang="es-ES" sz="2000" b="1" i="1" smtClean="0">
                             <a:solidFill>
                               <a:schemeClr val="bg1"/>
                             </a:solidFill>
@@ -18248,11 +18288,11 @@
                       <m:accPr>
                         <m:chr m:val="̂"/>
                         <m:ctrlPr>
-                          <a:rPr lang="es-ES" sz="2000">
+                          <a:rPr lang="es-ES" sz="2000" i="1">
                             <a:solidFill>
                               <a:schemeClr val="bg1"/>
                             </a:solidFill>
-                            <a:latin typeface="Calibri" panose="020F0502020204030204" pitchFamily="34" charset="0"/>
+                            <a:latin typeface="Cambria Math" panose="02040503050406030204" pitchFamily="18" charset="0"/>
                             <a:cs typeface="Calibri" panose="020F0502020204030204" pitchFamily="34" charset="0"/>
                           </a:rPr>
                         </m:ctrlPr>
@@ -18266,7 +18306,7 @@
                             <a:solidFill>
                               <a:schemeClr val="bg1"/>
                             </a:solidFill>
-                            <a:latin typeface="Calibri" panose="020F0502020204030204" pitchFamily="34" charset="0"/>
+                            <a:latin typeface="Cambria Math" panose="02040503050406030204" pitchFamily="18" charset="0"/>
                             <a:cs typeface="Calibri" panose="020F0502020204030204" pitchFamily="34" charset="0"/>
                           </a:rPr>
                           <m:t>Σ</m:t>
@@ -18278,7 +18318,7 @@
                         <a:solidFill>
                           <a:schemeClr val="bg1"/>
                         </a:solidFill>
-                        <a:latin typeface="Calibri" panose="020F0502020204030204" pitchFamily="34" charset="0"/>
+                        <a:latin typeface="Cambria Math" panose="02040503050406030204" pitchFamily="18" charset="0"/>
                         <a:cs typeface="Calibri" panose="020F0502020204030204" pitchFamily="34" charset="0"/>
                       </a:rPr>
                       <m:t>=</m:t>
@@ -18288,7 +18328,7 @@
                         <a:solidFill>
                           <a:schemeClr val="bg1"/>
                         </a:solidFill>
-                        <a:latin typeface="Calibri" panose="020F0502020204030204" pitchFamily="34" charset="0"/>
+                        <a:latin typeface="Cambria Math" panose="02040503050406030204" pitchFamily="18" charset="0"/>
                         <a:cs typeface="Calibri" panose="020F0502020204030204" pitchFamily="34" charset="0"/>
                       </a:rPr>
                       <m:t>𝑆</m:t>
@@ -18667,14 +18707,14 @@
                       </m:e>
                       <m:sub>
                         <m:r>
-                          <a:rPr lang="es-ES" sz="2000" i="1">
+                          <a:rPr lang="es-ES" sz="2000" b="0" i="1" smtClean="0">
                             <a:solidFill>
                               <a:schemeClr val="bg1"/>
                             </a:solidFill>
                             <a:latin typeface="Cambria Math" panose="02040503050406030204" pitchFamily="18" charset="0"/>
                             <a:cs typeface="Calibri" panose="020F0502020204030204" pitchFamily="34" charset="0"/>
                           </a:rPr>
-                          <m:t>0</m:t>
+                          <m:t>1</m:t>
                         </m:r>
                       </m:sub>
                     </m:sSub>
@@ -18840,8 +18880,8 @@
           </a:p>
         </p:txBody>
       </p:sp>
-      <mc:AlternateContent xmlns:mc="http://schemas.openxmlformats.org/markup-compatibility/2006">
-        <mc:Choice xmlns:a14="http://schemas.microsoft.com/office/drawing/2010/main" Requires="a14">
+      <mc:AlternateContent xmlns:mc="http://schemas.openxmlformats.org/markup-compatibility/2006" xmlns:a14="http://schemas.microsoft.com/office/drawing/2010/main">
+        <mc:Choice Requires="a14">
           <p:sp>
             <p:nvSpPr>
               <p:cNvPr id="3" name="Marcador de contenido 2">
@@ -20313,7 +20353,7 @@
             </p:txBody>
           </p:sp>
         </mc:Choice>
-        <mc:Fallback>
+        <mc:Fallback xmlns="">
           <p:sp>
             <p:nvSpPr>
               <p:cNvPr id="3" name="Marcador de contenido 2">
@@ -20427,8 +20467,8 @@
           </a:p>
         </p:txBody>
       </p:sp>
-      <mc:AlternateContent xmlns:mc="http://schemas.openxmlformats.org/markup-compatibility/2006">
-        <mc:Choice xmlns:a14="http://schemas.microsoft.com/office/drawing/2010/main" Requires="a14">
+      <mc:AlternateContent xmlns:mc="http://schemas.openxmlformats.org/markup-compatibility/2006" xmlns:a14="http://schemas.microsoft.com/office/drawing/2010/main">
+        <mc:Choice Requires="a14">
           <p:sp>
             <p:nvSpPr>
               <p:cNvPr id="3" name="Marcador de contenido 2">
@@ -21424,7 +21464,7 @@
             </p:txBody>
           </p:sp>
         </mc:Choice>
-        <mc:Fallback>
+        <mc:Fallback xmlns="">
           <p:sp>
             <p:nvSpPr>
               <p:cNvPr id="3" name="Marcador de contenido 2">
@@ -21675,7 +21715,7 @@
                     <a:latin typeface="Calibri" panose="020F0502020204030204" pitchFamily="34" charset="0"/>
                     <a:cs typeface="Calibri" panose="020F0502020204030204" pitchFamily="34" charset="0"/>
                   </a:rPr>
-                  <a:t>sea grande</a:t>
+                  <a:t>sea suficientemente grande</a:t>
                 </a:r>
                 <a:r>
                   <a:rPr lang="es-ES" sz="2000" dirty="0">
@@ -22104,8 +22144,8 @@
           </a:p>
         </p:txBody>
       </p:sp>
-      <mc:AlternateContent xmlns:mc="http://schemas.openxmlformats.org/markup-compatibility/2006">
-        <mc:Choice xmlns:a14="http://schemas.microsoft.com/office/drawing/2010/main" Requires="a14">
+      <mc:AlternateContent xmlns:mc="http://schemas.openxmlformats.org/markup-compatibility/2006" xmlns:a14="http://schemas.microsoft.com/office/drawing/2010/main">
+        <mc:Choice Requires="a14">
           <p:sp>
             <p:nvSpPr>
               <p:cNvPr id="3" name="Marcador de contenido 2">
@@ -22784,7 +22824,7 @@
             </p:txBody>
           </p:sp>
         </mc:Choice>
-        <mc:Fallback>
+        <mc:Fallback xmlns="">
           <p:sp>
             <p:nvSpPr>
               <p:cNvPr id="3" name="Marcador de contenido 2">
@@ -22898,8 +22938,8 @@
           </a:p>
         </p:txBody>
       </p:sp>
-      <mc:AlternateContent xmlns:mc="http://schemas.openxmlformats.org/markup-compatibility/2006">
-        <mc:Choice xmlns:a14="http://schemas.microsoft.com/office/drawing/2010/main" Requires="a14">
+      <mc:AlternateContent xmlns:mc="http://schemas.openxmlformats.org/markup-compatibility/2006" xmlns:a14="http://schemas.microsoft.com/office/drawing/2010/main">
+        <mc:Choice Requires="a14">
           <p:sp>
             <p:nvSpPr>
               <p:cNvPr id="3" name="Marcador de contenido 2">
@@ -23643,7 +23683,7 @@
             </p:txBody>
           </p:sp>
         </mc:Choice>
-        <mc:Fallback>
+        <mc:Fallback xmlns="">
           <p:sp>
             <p:nvSpPr>
               <p:cNvPr id="3" name="Marcador de contenido 2">
@@ -23745,8 +23785,8 @@
           </a:p>
         </p:txBody>
       </p:sp>
-      <mc:AlternateContent xmlns:mc="http://schemas.openxmlformats.org/markup-compatibility/2006">
-        <mc:Choice xmlns:a14="http://schemas.microsoft.com/office/drawing/2010/main" Requires="a14">
+      <mc:AlternateContent xmlns:mc="http://schemas.openxmlformats.org/markup-compatibility/2006" xmlns:a14="http://schemas.microsoft.com/office/drawing/2010/main">
+        <mc:Choice Requires="a14">
           <p:sp>
             <p:nvSpPr>
               <p:cNvPr id="3" name="Marcador de contenido 2">
@@ -24001,7 +24041,7 @@
                                 <m:accPr>
                                   <m:chr m:val="̅"/>
                                   <m:ctrlPr>
-                                    <a:rPr lang="es-ES" sz="2000" b="1" smtClean="0">
+                                    <a:rPr lang="es-ES" sz="2000" b="1" i="1" smtClean="0">
                                       <a:solidFill>
                                         <a:schemeClr val="bg1"/>
                                       </a:solidFill>
@@ -24197,7 +24237,7 @@
                         <a:solidFill>
                           <a:schemeClr val="bg1"/>
                         </a:solidFill>
-                        <a:latin typeface="Calibri" panose="020F0502020204030204" pitchFamily="34" charset="0"/>
+                        <a:latin typeface="Cambria Math" panose="02040503050406030204" pitchFamily="18" charset="0"/>
                         <a:cs typeface="Calibri" panose="020F0502020204030204" pitchFamily="34" charset="0"/>
                       </a:rPr>
                       <m:t>𝑇</m:t>
@@ -24298,7 +24338,7 @@
             </p:txBody>
           </p:sp>
         </mc:Choice>
-        <mc:Fallback>
+        <mc:Fallback xmlns="">
           <p:sp>
             <p:nvSpPr>
               <p:cNvPr id="3" name="Marcador de contenido 2">
